--- a/Semana 3/clase3.pptx
+++ b/Semana 3/clase3.pptx
@@ -16973,15 +16973,7 @@
           <a:p>
             <a:r>
               <a:rPr lang="es-CR" dirty="0"/>
-              <a:t>Elaborar un algoritmo para calcular el </a:t>
-            </a:r>
-            <a:r>
-              <a:rPr lang="es-CR" dirty="0" err="1"/>
-              <a:t>promediofinal</a:t>
-            </a:r>
-            <a:r>
-              <a:rPr lang="es-CR" dirty="0"/>
-              <a:t> de la materia de algoritmos. Dicha calificación se compone delos siguientes porcentajes:</a:t>
+              <a:t>Elaborar un algoritmo para calcular el promedio final de la materia de algoritmos. Dicha calificación se compone delos siguientes porcentajes:</a:t>
             </a:r>
           </a:p>
           <a:p>
@@ -16995,7 +16987,7 @@
             <a:pPr lvl="1"/>
             <a:r>
               <a:rPr lang="es-CR" dirty="0"/>
-              <a:t>30% ----- de la calificación de promedio</a:t>
+              <a:t>30% ----- de la calificación de promedio de trabajo en clase (2)</a:t>
             </a:r>
           </a:p>
           <a:p>
